--- a/AAE-Report-ppt.pptx
+++ b/AAE-Report-ppt.pptx
@@ -1386,7 +1386,7 @@
         <p:spPr>
           <a:xfrm>
             <a:off x="0" y="-13680"/>
-            <a:ext cx="9143280" cy="6933600"/>
+            <a:ext cx="9142920" cy="6933240"/>
           </a:xfrm>
           <a:prstGeom prst="rect">
             <a:avLst/>
@@ -1405,7 +1405,7 @@
         <p:spPr>
           <a:xfrm>
             <a:off x="0" y="152280"/>
-            <a:ext cx="1523160" cy="1199520"/>
+            <a:ext cx="1522800" cy="1199160"/>
           </a:xfrm>
           <a:prstGeom prst="rect">
             <a:avLst/>
@@ -1480,7 +1480,7 @@
         <p:spPr>
           <a:xfrm>
             <a:off x="312840" y="152280"/>
-            <a:ext cx="867960" cy="971280"/>
+            <a:ext cx="867600" cy="970920"/>
           </a:xfrm>
           <a:prstGeom prst="rect">
             <a:avLst/>
@@ -1499,7 +1499,7 @@
         <p:spPr>
           <a:xfrm>
             <a:off x="0" y="152280"/>
-            <a:ext cx="1447200" cy="1199520"/>
+            <a:ext cx="1446840" cy="1199160"/>
           </a:xfrm>
           <a:prstGeom prst="rect">
             <a:avLst/>
@@ -1574,7 +1574,7 @@
         <p:spPr>
           <a:xfrm>
             <a:off x="179640" y="152280"/>
-            <a:ext cx="867960" cy="971280"/>
+            <a:ext cx="867600" cy="970920"/>
           </a:xfrm>
           <a:prstGeom prst="rect">
             <a:avLst/>
@@ -1597,7 +1597,7 @@
         <p:spPr>
           <a:xfrm>
             <a:off x="7530120" y="1676520"/>
-            <a:ext cx="1599480" cy="5050080"/>
+            <a:ext cx="1599120" cy="5049720"/>
           </a:xfrm>
           <a:prstGeom prst="rect">
             <a:avLst/>
@@ -1620,7 +1620,7 @@
         <p:spPr>
           <a:xfrm>
             <a:off x="1219320" y="152280"/>
-            <a:ext cx="7923960" cy="1073880"/>
+            <a:ext cx="7923600" cy="1073520"/>
           </a:xfrm>
           <a:prstGeom prst="rect">
             <a:avLst/>
@@ -1890,7 +1890,7 @@
         <p:spPr>
           <a:xfrm>
             <a:off x="421560" y="1540080"/>
-            <a:ext cx="8300160" cy="1322640"/>
+            <a:ext cx="8299800" cy="1322280"/>
           </a:xfrm>
           <a:prstGeom prst="rect">
             <a:avLst/>
@@ -1999,7 +1999,7 @@
         <p:spPr>
           <a:xfrm>
             <a:off x="411480" y="4719240"/>
-            <a:ext cx="8457480" cy="1371240"/>
+            <a:ext cx="8457120" cy="1370880"/>
           </a:xfrm>
           <a:prstGeom prst="rect">
             <a:avLst/>
@@ -2287,7 +2287,7 @@
         <p:spPr>
           <a:xfrm>
             <a:off x="1523880" y="1581120"/>
-            <a:ext cx="7619400" cy="35640"/>
+            <a:ext cx="7619040" cy="35280"/>
           </a:xfrm>
           <a:prstGeom prst="rect">
             <a:avLst/>
@@ -2315,7 +2315,7 @@
         <p:spPr>
           <a:xfrm>
             <a:off x="2666880" y="1143000"/>
-            <a:ext cx="6476400" cy="460800"/>
+            <a:ext cx="6476040" cy="460440"/>
           </a:xfrm>
           <a:prstGeom prst="rect">
             <a:avLst/>
@@ -2334,7 +2334,7 @@
         <p:txBody>
           <a:bodyPr lIns="90000" rIns="90000" tIns="45000" bIns="45000"/>
           <a:p>
-            <a:pPr marL="343080" indent="-342360" algn="r">
+            <a:pPr marL="343080" indent="-342000" algn="r">
               <a:lnSpc>
                 <a:spcPct val="100000"/>
               </a:lnSpc>
@@ -2364,7 +2364,7 @@
         <p:spPr>
           <a:xfrm>
             <a:off x="576000" y="2016000"/>
-            <a:ext cx="7055640" cy="2393640"/>
+            <a:ext cx="7055280" cy="2393280"/>
           </a:xfrm>
           <a:prstGeom prst="rect">
             <a:avLst/>
@@ -2390,7 +2390,11 @@
             </a:pPr>
             <a:r>
               <a:rPr b="0" lang="en-IN" sz="1800" spc="-1" strike="noStrike">
+                <a:solidFill>
+                  <a:srgbClr val="000000"/>
+                </a:solidFill>
                 <a:latin typeface="Arial"/>
+                <a:ea typeface="DejaVu Sans"/>
               </a:rPr>
               <a:t>The project is basically for the teachers to evaluate their students answers against the model answers automatically instead of manually correcting them using Natural Language Processing technique/algorithm.</a:t>
             </a:r>
@@ -2416,7 +2420,11 @@
             </a:pPr>
             <a:r>
               <a:rPr b="0" lang="en-IN" sz="1800" spc="-1" strike="noStrike">
+                <a:solidFill>
+                  <a:srgbClr val="000000"/>
+                </a:solidFill>
                 <a:latin typeface="Arial"/>
+                <a:ea typeface="DejaVu Sans"/>
               </a:rPr>
               <a:t>It evaluates the students answer with that of the teachers answers and based on how close it is to the required answer it allocates marks for that answer to that particular student</a:t>
             </a:r>
@@ -2442,9 +2450,13 @@
             </a:pPr>
             <a:r>
               <a:rPr b="0" lang="en-IN" sz="1800" spc="-1" strike="noStrike">
+                <a:solidFill>
+                  <a:srgbClr val="000000"/>
+                </a:solidFill>
                 <a:latin typeface="Arial"/>
-              </a:rPr>
-              <a:t>Teachers can also view the results of the students in terms of graphs and other data visualization aspects to get a better insight.</a:t>
+                <a:ea typeface="DejaVu Sans"/>
+              </a:rPr>
+              <a:t>Teachers can also view the results of all the students in the result page.</a:t>
             </a:r>
             <a:endParaRPr b="0" lang="en-IN" sz="1800" spc="-1" strike="noStrike">
               <a:latin typeface="Arial"/>
@@ -2510,7 +2522,7 @@
         <p:spPr>
           <a:xfrm>
             <a:off x="1523880" y="1581120"/>
-            <a:ext cx="7619400" cy="35640"/>
+            <a:ext cx="7619040" cy="35280"/>
           </a:xfrm>
           <a:prstGeom prst="rect">
             <a:avLst/>
@@ -2538,7 +2550,7 @@
         <p:spPr>
           <a:xfrm>
             <a:off x="2666880" y="1143000"/>
-            <a:ext cx="6476400" cy="460800"/>
+            <a:ext cx="6476040" cy="460440"/>
           </a:xfrm>
           <a:prstGeom prst="rect">
             <a:avLst/>
@@ -2557,7 +2569,7 @@
         <p:txBody>
           <a:bodyPr lIns="90000" rIns="90000" tIns="45000" bIns="45000"/>
           <a:p>
-            <a:pPr marL="343080" indent="-342360" algn="r">
+            <a:pPr marL="343080" indent="-342000" algn="r">
               <a:lnSpc>
                 <a:spcPct val="100000"/>
               </a:lnSpc>
@@ -2587,7 +2599,7 @@
         <p:spPr>
           <a:xfrm>
             <a:off x="504000" y="2016000"/>
-            <a:ext cx="6983640" cy="3417480"/>
+            <a:ext cx="6983280" cy="3417120"/>
           </a:xfrm>
           <a:prstGeom prst="rect">
             <a:avLst/>
@@ -2613,7 +2625,11 @@
             </a:pPr>
             <a:r>
               <a:rPr b="0" lang="en-IN" sz="1800" spc="-1" strike="noStrike">
+                <a:solidFill>
+                  <a:srgbClr val="000000"/>
+                </a:solidFill>
                 <a:latin typeface="Arial"/>
+                <a:ea typeface="DejaVu Sans"/>
               </a:rPr>
               <a:t>Technologies Used :</a:t>
             </a:r>
@@ -2639,7 +2655,11 @@
             </a:pPr>
             <a:r>
               <a:rPr b="0" lang="en-IN" sz="1800" spc="-1" strike="noStrike">
+                <a:solidFill>
+                  <a:srgbClr val="000000"/>
+                </a:solidFill>
                 <a:latin typeface="Arial"/>
+                <a:ea typeface="DejaVu Sans"/>
               </a:rPr>
               <a:t>1) Front-end - </a:t>
             </a:r>
@@ -2655,13 +2675,21 @@
             </a:pPr>
             <a:r>
               <a:rPr b="0" lang="en-IN" sz="1800" spc="-1" strike="noStrike">
+                <a:solidFill>
+                  <a:srgbClr val="000000"/>
+                </a:solidFill>
                 <a:latin typeface="Arial"/>
+                <a:ea typeface="DejaVu Sans"/>
               </a:rPr>
               <a:t>	</a:t>
             </a:r>
             <a:r>
               <a:rPr b="0" lang="en-IN" sz="1800" spc="-1" strike="noStrike">
+                <a:solidFill>
+                  <a:srgbClr val="000000"/>
+                </a:solidFill>
                 <a:latin typeface="Arial"/>
+                <a:ea typeface="DejaVu Sans"/>
               </a:rPr>
               <a:t>i)HTML,CSS</a:t>
             </a:r>
@@ -2677,13 +2705,21 @@
             </a:pPr>
             <a:r>
               <a:rPr b="0" lang="en-IN" sz="1800" spc="-1" strike="noStrike">
+                <a:solidFill>
+                  <a:srgbClr val="000000"/>
+                </a:solidFill>
                 <a:latin typeface="Arial"/>
+                <a:ea typeface="DejaVu Sans"/>
               </a:rPr>
               <a:t>	</a:t>
             </a:r>
             <a:r>
               <a:rPr b="0" lang="en-IN" sz="1800" spc="-1" strike="noStrike">
+                <a:solidFill>
+                  <a:srgbClr val="000000"/>
+                </a:solidFill>
                 <a:latin typeface="Arial"/>
+                <a:ea typeface="DejaVu Sans"/>
               </a:rPr>
               <a:t>ii)Bootstrap</a:t>
             </a:r>
@@ -2699,13 +2735,21 @@
             </a:pPr>
             <a:r>
               <a:rPr b="0" lang="en-IN" sz="1800" spc="-1" strike="noStrike">
+                <a:solidFill>
+                  <a:srgbClr val="000000"/>
+                </a:solidFill>
                 <a:latin typeface="Arial"/>
+                <a:ea typeface="DejaVu Sans"/>
               </a:rPr>
               <a:t>	</a:t>
             </a:r>
             <a:r>
               <a:rPr b="0" lang="en-IN" sz="1800" spc="-1" strike="noStrike">
+                <a:solidFill>
+                  <a:srgbClr val="000000"/>
+                </a:solidFill>
                 <a:latin typeface="Arial"/>
+                <a:ea typeface="DejaVu Sans"/>
               </a:rPr>
               <a:t>iii)React Framework</a:t>
             </a:r>
@@ -2731,7 +2775,11 @@
             </a:pPr>
             <a:r>
               <a:rPr b="0" lang="en-IN" sz="1800" spc="-1" strike="noStrike">
+                <a:solidFill>
+                  <a:srgbClr val="000000"/>
+                </a:solidFill>
                 <a:latin typeface="Arial"/>
+                <a:ea typeface="DejaVu Sans"/>
               </a:rPr>
               <a:t>2) Back-end -</a:t>
             </a:r>
@@ -2747,13 +2795,21 @@
             </a:pPr>
             <a:r>
               <a:rPr b="0" lang="en-IN" sz="1800" spc="-1" strike="noStrike">
+                <a:solidFill>
+                  <a:srgbClr val="000000"/>
+                </a:solidFill>
                 <a:latin typeface="Arial"/>
+                <a:ea typeface="DejaVu Sans"/>
               </a:rPr>
               <a:t>	</a:t>
             </a:r>
             <a:r>
               <a:rPr b="0" lang="en-IN" sz="1800" spc="-1" strike="noStrike">
+                <a:solidFill>
+                  <a:srgbClr val="000000"/>
+                </a:solidFill>
                 <a:latin typeface="Arial"/>
+                <a:ea typeface="DejaVu Sans"/>
               </a:rPr>
               <a:t>i)Flask Framework</a:t>
             </a:r>
@@ -2769,13 +2825,21 @@
             </a:pPr>
             <a:r>
               <a:rPr b="0" lang="en-IN" sz="1800" spc="-1" strike="noStrike">
+                <a:solidFill>
+                  <a:srgbClr val="000000"/>
+                </a:solidFill>
                 <a:latin typeface="Arial"/>
+                <a:ea typeface="DejaVu Sans"/>
               </a:rPr>
               <a:t>	</a:t>
             </a:r>
             <a:r>
               <a:rPr b="0" lang="en-IN" sz="1800" spc="-1" strike="noStrike">
+                <a:solidFill>
+                  <a:srgbClr val="000000"/>
+                </a:solidFill>
                 <a:latin typeface="Arial"/>
+                <a:ea typeface="DejaVu Sans"/>
               </a:rPr>
               <a:t>ii)MySQL Database</a:t>
             </a:r>
@@ -2791,13 +2855,21 @@
             </a:pPr>
             <a:r>
               <a:rPr b="0" lang="en-IN" sz="1800" spc="-1" strike="noStrike">
+                <a:solidFill>
+                  <a:srgbClr val="000000"/>
+                </a:solidFill>
                 <a:latin typeface="Arial"/>
+                <a:ea typeface="DejaVu Sans"/>
               </a:rPr>
               <a:t>	</a:t>
             </a:r>
             <a:r>
               <a:rPr b="0" lang="en-IN" sz="1800" spc="-1" strike="noStrike">
+                <a:solidFill>
+                  <a:srgbClr val="000000"/>
+                </a:solidFill>
                 <a:latin typeface="Arial"/>
+                <a:ea typeface="DejaVu Sans"/>
               </a:rPr>
               <a:t>iii)AJAX</a:t>
             </a:r>
@@ -2823,7 +2895,11 @@
             </a:pPr>
             <a:r>
               <a:rPr b="0" lang="en-IN" sz="1800" spc="-1" strike="noStrike">
+                <a:solidFill>
+                  <a:srgbClr val="000000"/>
+                </a:solidFill>
                 <a:latin typeface="Arial"/>
+                <a:ea typeface="DejaVu Sans"/>
               </a:rPr>
               <a:t>3)NLP python implementation</a:t>
             </a:r>
@@ -2891,7 +2967,7 @@
         <p:spPr>
           <a:xfrm>
             <a:off x="1523880" y="1581120"/>
-            <a:ext cx="7619400" cy="35640"/>
+            <a:ext cx="7619040" cy="35280"/>
           </a:xfrm>
           <a:prstGeom prst="rect">
             <a:avLst/>
@@ -2919,7 +2995,7 @@
         <p:spPr>
           <a:xfrm>
             <a:off x="2666880" y="1143000"/>
-            <a:ext cx="6476400" cy="460800"/>
+            <a:ext cx="6476040" cy="460440"/>
           </a:xfrm>
           <a:prstGeom prst="rect">
             <a:avLst/>
@@ -2938,7 +3014,7 @@
         <p:txBody>
           <a:bodyPr lIns="90000" rIns="90000" tIns="45000" bIns="45000"/>
           <a:p>
-            <a:pPr marL="343080" indent="-342360" algn="r">
+            <a:pPr marL="343080" indent="-342000" algn="r">
               <a:lnSpc>
                 <a:spcPct val="100000"/>
               </a:lnSpc>
@@ -2968,7 +3044,7 @@
         <p:spPr>
           <a:xfrm>
             <a:off x="720000" y="2160000"/>
-            <a:ext cx="6911640" cy="1113840"/>
+            <a:ext cx="6911280" cy="1113480"/>
           </a:xfrm>
           <a:prstGeom prst="rect">
             <a:avLst/>
@@ -2994,7 +3070,11 @@
             </a:pPr>
             <a:r>
               <a:rPr b="0" lang="en-IN" sz="1800" spc="-1" strike="noStrike">
+                <a:solidFill>
+                  <a:srgbClr val="000000"/>
+                </a:solidFill>
                 <a:latin typeface="Arial"/>
+                <a:ea typeface="DejaVu Sans"/>
               </a:rPr>
               <a:t>Techniques Implemented :</a:t>
             </a:r>
@@ -3020,7 +3100,11 @@
             </a:pPr>
             <a:r>
               <a:rPr b="0" lang="en-IN" sz="1800" spc="-1" strike="noStrike">
+                <a:solidFill>
+                  <a:srgbClr val="000000"/>
+                </a:solidFill>
                 <a:latin typeface="Arial"/>
+                <a:ea typeface="DejaVu Sans"/>
               </a:rPr>
               <a:t>We have implemented 2 Ajax Patterns : Submission Throttling and Multistage Downlaod.</a:t>
             </a:r>
@@ -3046,7 +3130,11 @@
             </a:pPr>
             <a:r>
               <a:rPr b="0" lang="en-IN" sz="1800" spc="-1" strike="noStrike">
+                <a:solidFill>
+                  <a:srgbClr val="000000"/>
+                </a:solidFill>
                 <a:latin typeface="Arial"/>
+                <a:ea typeface="DejaVu Sans"/>
               </a:rPr>
               <a:t>Submission Throttling is implemented while searching for the students name among a huge lot of students either to see the result or to modify them.</a:t>
             </a:r>
@@ -3072,9 +3160,13 @@
             </a:pPr>
             <a:r>
               <a:rPr b="0" lang="en-IN" sz="1800" spc="-1" strike="noStrike">
+                <a:solidFill>
+                  <a:srgbClr val="000000"/>
+                </a:solidFill>
                 <a:latin typeface="Arial"/>
-              </a:rPr>
-              <a:t>Multistage Download in implemented while reviewing the answers.Since there will be a lot answers written by the student.We have used multistage download technique to provide those answers in batches.</a:t>
+                <a:ea typeface="DejaVu Sans"/>
+              </a:rPr>
+              <a:t>Multistage Download in implemented while reviewing the answers.Since there are many students for each user we are downloading answers of only 2 students at a time and later download the remainig .</a:t>
             </a:r>
             <a:endParaRPr b="0" lang="en-IN" sz="1800" spc="-1" strike="noStrike">
               <a:latin typeface="Arial"/>
@@ -3140,7 +3232,7 @@
         <p:spPr>
           <a:xfrm>
             <a:off x="1523880" y="1581120"/>
-            <a:ext cx="7619400" cy="35640"/>
+            <a:ext cx="7619040" cy="35280"/>
           </a:xfrm>
           <a:prstGeom prst="rect">
             <a:avLst/>
@@ -3168,7 +3260,7 @@
         <p:spPr>
           <a:xfrm>
             <a:off x="2666880" y="1143000"/>
-            <a:ext cx="6476400" cy="460800"/>
+            <a:ext cx="6476040" cy="460440"/>
           </a:xfrm>
           <a:prstGeom prst="rect">
             <a:avLst/>
@@ -3187,7 +3279,7 @@
         <p:txBody>
           <a:bodyPr lIns="90000" rIns="90000" tIns="45000" bIns="45000"/>
           <a:p>
-            <a:pPr marL="343080" indent="-342360" algn="r">
+            <a:pPr marL="343080" indent="-342000" algn="r">
               <a:lnSpc>
                 <a:spcPct val="100000"/>
               </a:lnSpc>
@@ -3217,7 +3309,7 @@
         <p:spPr>
           <a:xfrm>
             <a:off x="792000" y="2088000"/>
-            <a:ext cx="1295640" cy="345960"/>
+            <a:ext cx="1295280" cy="345600"/>
           </a:xfrm>
           <a:prstGeom prst="rect">
             <a:avLst/>
@@ -3243,7 +3335,7 @@
         <p:spPr>
           <a:xfrm>
             <a:off x="288000" y="2160000"/>
-            <a:ext cx="7343640" cy="601920"/>
+            <a:ext cx="7343280" cy="601560"/>
           </a:xfrm>
           <a:prstGeom prst="rect">
             <a:avLst/>
@@ -3269,7 +3361,11 @@
             </a:pPr>
             <a:r>
               <a:rPr b="0" lang="en-IN" sz="1800" spc="-1" strike="noStrike">
+                <a:solidFill>
+                  <a:srgbClr val="000000"/>
+                </a:solidFill>
                 <a:latin typeface="Arial"/>
+                <a:ea typeface="DejaVu Sans"/>
               </a:rPr>
               <a:t>The intelligent functionality used in Automatic Answer Evaluation is NLP algorithm.</a:t>
             </a:r>
@@ -3295,7 +3391,11 @@
             </a:pPr>
             <a:r>
               <a:rPr b="0" lang="en-IN" sz="1800" spc="-1" strike="noStrike">
+                <a:solidFill>
+                  <a:srgbClr val="000000"/>
+                </a:solidFill>
                 <a:latin typeface="Arial"/>
+                <a:ea typeface="DejaVu Sans"/>
               </a:rPr>
               <a:t>We use NLP techniques to find a similarity score between 0 to 1 by comparing the model answer and the student answer. The 2 parameters are taken into consideration.</a:t>
             </a:r>
@@ -3321,7 +3421,11 @@
             </a:pPr>
             <a:r>
               <a:rPr b="0" lang="en-IN" sz="1800" spc="-1" strike="noStrike">
+                <a:solidFill>
+                  <a:srgbClr val="000000"/>
+                </a:solidFill>
                 <a:latin typeface="Arial"/>
+                <a:ea typeface="DejaVu Sans"/>
               </a:rPr>
               <a:t>One is Ngrams of length 3 which takes into consideration the repeated pattern of 3 words and Cosine similarity which finds out the similarity between 2 sentences by converting words into vectors.</a:t>
             </a:r>
@@ -3347,7 +3451,11 @@
             </a:pPr>
             <a:r>
               <a:rPr b="0" lang="en-IN" sz="1800" spc="-1" strike="noStrike">
+                <a:solidFill>
+                  <a:srgbClr val="000000"/>
+                </a:solidFill>
                 <a:latin typeface="Arial"/>
+                <a:ea typeface="DejaVu Sans"/>
               </a:rPr>
               <a:t>Second is common words between the two statements after removing common words which are known as stopwords.</a:t>
             </a:r>
@@ -3363,7 +3471,11 @@
             </a:pPr>
             <a:r>
               <a:rPr b="0" lang="en-IN" sz="1800" spc="-1" strike="noStrike">
+                <a:solidFill>
+                  <a:srgbClr val="000000"/>
+                </a:solidFill>
                 <a:latin typeface="Arial"/>
+                <a:ea typeface="DejaVu Sans"/>
               </a:rPr>
               <a:t> </a:t>
             </a:r>
@@ -3431,7 +3543,7 @@
         <p:spPr>
           <a:xfrm>
             <a:off x="1619640" y="3352680"/>
-            <a:ext cx="3733560" cy="707400"/>
+            <a:ext cx="3733200" cy="707040"/>
           </a:xfrm>
           <a:prstGeom prst="rect">
             <a:avLst/>
